--- a/Monitoring and Diagnostics.pptx
+++ b/Monitoring and Diagnostics.pptx
@@ -2,7 +2,7 @@
 <file path=ppt/presentation.xml><?xml version="1.0" encoding="utf-8"?>
 <p:presentation xmlns:a="http://schemas.openxmlformats.org/drawingml/2006/main" xmlns:r="http://schemas.openxmlformats.org/officeDocument/2006/relationships" xmlns:p="http://schemas.openxmlformats.org/presentationml/2006/main" saveSubsetFonts="1">
   <p:sldMasterIdLst>
-    <p:sldMasterId id="2147483703" r:id="rId4"/>
+    <p:sldMasterId id="2147483715" r:id="rId4"/>
   </p:sldMasterIdLst>
   <p:notesMasterIdLst>
     <p:notesMasterId r:id="rId31"/>
@@ -2733,7 +2733,7 @@
           <a:p>
             <a:fld id="{08785AD7-566F-4C71-A877-61487786B932}" type="datetimeFigureOut">
               <a:rPr lang="en-US" smtClean="0"/>
-              <a:t>6/1/2016</a:t>
+              <a:t>7/5/2016</a:t>
             </a:fld>
             <a:endParaRPr lang="en-US"/>
           </a:p>
@@ -2898,7 +2898,7 @@
           <a:p>
             <a:fld id="{3AC152BB-29D3-4366-9432-ADC86E136C03}" type="datetimeFigureOut">
               <a:rPr lang="en-US" smtClean="0"/>
-              <a:t>6/1/2016</a:t>
+              <a:t>7/5/2016</a:t>
             </a:fld>
             <a:endParaRPr lang="en-US"/>
           </a:p>
@@ -5347,7 +5347,7 @@
                 <a:ea typeface="+mn-ea"/>
                 <a:cs typeface="+mn-cs"/>
               </a:rPr>
-              <a:t>Engineer</a:t>
+              <a:t>Architect</a:t>
             </a:r>
           </a:p>
           <a:p>
@@ -5383,7 +5383,7 @@
                 <a:ea typeface="+mn-ea"/>
                 <a:cs typeface="+mn-cs"/>
               </a:rPr>
-              <a:t>to Engineer</a:t>
+              <a:t>to Architect</a:t>
             </a:r>
           </a:p>
         </p:txBody>
@@ -5615,136 +5615,10 @@
           </a:p>
         </p:txBody>
       </p:sp>
-      <p:pic>
-        <p:nvPicPr>
-          <p:cNvPr id="12" name="Picture 11"/>
-          <p:cNvPicPr>
-            <a:picLocks noChangeAspect="1"/>
-          </p:cNvPicPr>
-          <p:nvPr userDrawn="1"/>
-        </p:nvPicPr>
-        <p:blipFill>
-          <a:blip r:embed="rId2"/>
-          <a:stretch>
-            <a:fillRect/>
-          </a:stretch>
-        </p:blipFill>
-        <p:spPr>
-          <a:xfrm>
-            <a:off x="1008" y="1"/>
-            <a:ext cx="12190992" cy="6400800"/>
-          </a:xfrm>
-          <a:prstGeom prst="rect">
-            <a:avLst/>
-          </a:prstGeom>
-        </p:spPr>
-      </p:pic>
-      <p:sp>
-        <p:nvSpPr>
-          <p:cNvPr id="13" name="TextBox 12"/>
-          <p:cNvSpPr txBox="1"/>
-          <p:nvPr userDrawn="1"/>
-        </p:nvSpPr>
-        <p:spPr>
-          <a:xfrm>
-            <a:off x="1192443" y="1438410"/>
-            <a:ext cx="4767293" cy="1731756"/>
-          </a:xfrm>
-          <a:prstGeom prst="rect">
-            <a:avLst/>
-          </a:prstGeom>
-          <a:noFill/>
-        </p:spPr>
-        <p:txBody>
-          <a:bodyPr wrap="square" lIns="182880" tIns="146304" rIns="182880" bIns="146304" rtlCol="0">
-            <a:spAutoFit/>
-          </a:bodyPr>
-          <a:lstStyle/>
-          <a:p>
-            <a:pPr>
-              <a:lnSpc>
-                <a:spcPts val="5600"/>
-              </a:lnSpc>
-            </a:pPr>
-            <a:r>
-              <a:rPr lang="en-US" sz="5400" dirty="0">
-                <a:solidFill>
-                  <a:srgbClr val="00B0F0"/>
-                </a:solidFill>
-                <a:latin typeface="+mj-lt"/>
-              </a:rPr>
-              <a:t>   </a:t>
-            </a:r>
-            <a:r>
-              <a:rPr lang="en-US" sz="6000" dirty="0">
-                <a:solidFill>
-                  <a:srgbClr val="0070C0"/>
-                </a:solidFill>
-                <a:latin typeface="+mj-lt"/>
-              </a:rPr>
-              <a:t>Engineer</a:t>
-            </a:r>
-          </a:p>
-          <a:p>
-            <a:pPr>
-              <a:lnSpc>
-                <a:spcPts val="5600"/>
-              </a:lnSpc>
-            </a:pPr>
-            <a:r>
-              <a:rPr lang="en-US" sz="6000" dirty="0">
-                <a:solidFill>
-                  <a:srgbClr val="0070C0"/>
-                </a:solidFill>
-                <a:latin typeface="+mj-lt"/>
-              </a:rPr>
-              <a:t>to Engineer</a:t>
-            </a:r>
-          </a:p>
-        </p:txBody>
-      </p:sp>
-      <p:sp>
-        <p:nvSpPr>
-          <p:cNvPr id="14" name="TextBox 13"/>
-          <p:cNvSpPr txBox="1"/>
-          <p:nvPr userDrawn="1"/>
-        </p:nvSpPr>
-        <p:spPr>
-          <a:xfrm>
-            <a:off x="0" y="2868782"/>
-            <a:ext cx="8015040" cy="808426"/>
-          </a:xfrm>
-          <a:prstGeom prst="rect">
-            <a:avLst/>
-          </a:prstGeom>
-          <a:noFill/>
-        </p:spPr>
-        <p:txBody>
-          <a:bodyPr wrap="square" lIns="182880" tIns="146304" rIns="182880" bIns="146304" rtlCol="0">
-            <a:spAutoFit/>
-          </a:bodyPr>
-          <a:lstStyle/>
-          <a:p>
-            <a:pPr>
-              <a:lnSpc>
-                <a:spcPts val="4000"/>
-              </a:lnSpc>
-            </a:pPr>
-            <a:r>
-              <a:rPr lang="en-US" sz="1600" spc="300" dirty="0">
-                <a:solidFill>
-                  <a:srgbClr val="0070C0"/>
-                </a:solidFill>
-              </a:rPr>
-              <a:t>Training &amp; Practice Building for Solution Architects</a:t>
-            </a:r>
-          </a:p>
-        </p:txBody>
-      </p:sp>
     </p:spTree>
     <p:extLst>
       <p:ext uri="{BB962C8B-B14F-4D97-AF65-F5344CB8AC3E}">
-        <p14:creationId xmlns:p14="http://schemas.microsoft.com/office/powerpoint/2010/main" val="2361343570"/>
+        <p14:creationId xmlns:p14="http://schemas.microsoft.com/office/powerpoint/2010/main" val="2700213446"/>
       </p:ext>
     </p:extLst>
   </p:cSld>
@@ -6044,7 +5918,7 @@
     </p:spTree>
     <p:extLst>
       <p:ext uri="{BB962C8B-B14F-4D97-AF65-F5344CB8AC3E}">
-        <p14:creationId xmlns:p14="http://schemas.microsoft.com/office/powerpoint/2010/main" val="2861649295"/>
+        <p14:creationId xmlns:p14="http://schemas.microsoft.com/office/powerpoint/2010/main" val="3510263294"/>
       </p:ext>
     </p:extLst>
   </p:cSld>
@@ -6058,7 +5932,7 @@
 </file>
 
 <file path=ppt/slideLayouts/slideLayout11.xml><?xml version="1.0" encoding="utf-8"?>
-<p:sldLayout xmlns:a="http://schemas.openxmlformats.org/drawingml/2006/main" xmlns:r="http://schemas.openxmlformats.org/officeDocument/2006/relationships" xmlns:p="http://schemas.openxmlformats.org/presentationml/2006/main">
+<p:sldLayout xmlns:a="http://schemas.openxmlformats.org/drawingml/2006/main" xmlns:r="http://schemas.openxmlformats.org/officeDocument/2006/relationships" xmlns:p="http://schemas.openxmlformats.org/presentationml/2006/main" preserve="1" userDrawn="1">
   <p:cSld name="Ending Slide">
     <p:bg>
       <p:bgPr>
@@ -6088,7 +5962,7 @@
           <p:cNvPicPr>
             <a:picLocks noChangeAspect="1"/>
           </p:cNvPicPr>
-          <p:nvPr/>
+          <p:nvPr userDrawn="1"/>
         </p:nvPicPr>
         <p:blipFill>
           <a:blip r:embed="rId2" cstate="email">
@@ -6118,12 +5992,12 @@
           <p:cNvSpPr txBox="1">
             <a:spLocks noChangeArrowheads="1"/>
           </p:cNvSpPr>
-          <p:nvPr/>
+          <p:nvPr userDrawn="1"/>
         </p:nvSpPr>
         <p:spPr bwMode="blackWhite">
           <a:xfrm>
             <a:off x="269239" y="5621781"/>
-            <a:ext cx="11617961" cy="706038"/>
+            <a:ext cx="11617961" cy="859927"/>
           </a:xfrm>
           <a:prstGeom prst="rect">
             <a:avLst/>
@@ -6162,7 +6036,7 @@
                 </a:gradFill>
                 <a:cs typeface="Arial" charset="0"/>
               </a:rPr>
-              <a:t>© 2015 Microsoft Corporation. All rights reserved. Microsoft, Windows, Windows Vista and other product names are or may be registered trademarks and/or trademarks in the U.S. and/or other countries.</a:t>
+              <a:t>© 2015-2016 Microsoft Corporation. All rights reserved. Microsoft, Windows, Windows Vista and other product names are or may be registered trademarks and/or trademarks in the U.S. and/or other countries.</a:t>
             </a:r>
           </a:p>
           <a:p>
@@ -6187,156 +6061,10 @@
           </a:p>
         </p:txBody>
       </p:sp>
-      <p:pic>
-        <p:nvPicPr>
-          <p:cNvPr id="5" name="Picture 4"/>
-          <p:cNvPicPr>
-            <a:picLocks noChangeAspect="1"/>
-          </p:cNvPicPr>
-          <p:nvPr userDrawn="1"/>
-        </p:nvPicPr>
-        <p:blipFill>
-          <a:blip r:embed="rId2" cstate="email">
-            <a:extLst>
-              <a:ext uri="{28A0092B-C50C-407E-A947-70E740481C1C}">
-                <a14:useLocalDpi xmlns:a14="http://schemas.microsoft.com/office/drawing/2010/main"/>
-              </a:ext>
-            </a:extLst>
-          </a:blip>
-          <a:stretch>
-            <a:fillRect/>
-          </a:stretch>
-        </p:blipFill>
-        <p:spPr bwMode="invGray">
-          <a:xfrm>
-            <a:off x="269239" y="3975398"/>
-            <a:ext cx="3575287" cy="765878"/>
-          </a:xfrm>
-          <a:prstGeom prst="rect">
-            <a:avLst/>
-          </a:prstGeom>
-        </p:spPr>
-      </p:pic>
-      <p:sp>
-        <p:nvSpPr>
-          <p:cNvPr id="7" name="Text Box 3"/>
-          <p:cNvSpPr txBox="1">
-            <a:spLocks noChangeArrowheads="1"/>
-          </p:cNvSpPr>
-          <p:nvPr userDrawn="1"/>
-        </p:nvSpPr>
-        <p:spPr bwMode="blackWhite">
-          <a:xfrm>
-            <a:off x="269239" y="5621781"/>
-            <a:ext cx="11617961" cy="706038"/>
-          </a:xfrm>
-          <a:prstGeom prst="rect">
-            <a:avLst/>
-          </a:prstGeom>
-          <a:noFill/>
-          <a:ln w="12700">
-            <a:noFill/>
-            <a:miter lim="800000"/>
-            <a:headEnd type="none" w="sm" len="sm"/>
-            <a:tailEnd type="none" w="sm" len="sm"/>
-          </a:ln>
-          <a:effectLst/>
-        </p:spPr>
-        <p:txBody>
-          <a:bodyPr vert="horz" wrap="square" lIns="89607" tIns="44805" rIns="89607" bIns="44805" numCol="1" anchor="t" anchorCtr="0" compatLnSpc="1">
-            <a:prstTxWarp prst="textNoShape">
-              <a:avLst/>
-            </a:prstTxWarp>
-            <a:spAutoFit/>
-          </a:bodyPr>
-          <a:lstStyle/>
-          <a:p>
-            <a:pPr defTabSz="895888" eaLnBrk="0" hangingPunct="0"/>
-            <a:r>
-              <a:rPr lang="en-US" sz="1000" dirty="0">
-                <a:gradFill>
-                  <a:gsLst>
-                    <a:gs pos="11940">
-                      <a:srgbClr val="FFFFFF"/>
-                    </a:gs>
-                    <a:gs pos="24000">
-                      <a:srgbClr val="FFFFFF"/>
-                    </a:gs>
-                  </a:gsLst>
-                  <a:lin ang="5400000" scaled="0"/>
-                </a:gradFill>
-                <a:cs typeface="Arial" charset="0"/>
-              </a:rPr>
-              <a:t>© 2015 Microsoft Corporation. All rights reserved. Microsoft, Windows, Windows Vista and other product names are or may be registered trademarks and/or trademarks in the U.S. and/or other countries.</a:t>
-            </a:r>
-          </a:p>
-          <a:p>
-            <a:pPr defTabSz="895888" eaLnBrk="0" hangingPunct="0"/>
-            <a:r>
-              <a:rPr lang="en-US" sz="1000" dirty="0">
-                <a:gradFill>
-                  <a:gsLst>
-                    <a:gs pos="11940">
-                      <a:srgbClr val="FFFFFF"/>
-                    </a:gs>
-                    <a:gs pos="24000">
-                      <a:srgbClr val="FFFFFF"/>
-                    </a:gs>
-                  </a:gsLst>
-                  <a:lin ang="5400000" scaled="0"/>
-                </a:gradFill>
-                <a:cs typeface="Arial" charset="0"/>
-              </a:rPr>
-              <a:t>The information herein is for informational purposes only and represents the current view of Microsoft Corporation as of the date of this presentation.  Because Microsoft must respond to changing market conditions, it should not be interpreted to be a commitment on the part of Microsoft, and Microsoft cannot guarantee the accuracy of any information provided after the date of this presentation.  MICROSOFT MAKES NO WARRANTIES, EXPRESS, IMPLIED OR STATUTORY, AS TO THE INFORMATION IN THIS PRESENTATION.</a:t>
-            </a:r>
-          </a:p>
-        </p:txBody>
-      </p:sp>
-      <p:pic>
-        <p:nvPicPr>
-          <p:cNvPr id="8" name="Picture 8" descr="C:\Users\rickra\AppData\Local\Temp\SNAGHTML32ef3e.PNG"/>
-          <p:cNvPicPr>
-            <a:picLocks noChangeAspect="1" noChangeArrowheads="1"/>
-          </p:cNvPicPr>
-          <p:nvPr userDrawn="1"/>
-        </p:nvPicPr>
-        <p:blipFill>
-          <a:blip r:embed="rId3">
-            <a:extLst>
-              <a:ext uri="{28A0092B-C50C-407E-A947-70E740481C1C}">
-                <a14:useLocalDpi xmlns:a14="http://schemas.microsoft.com/office/drawing/2010/main" val="0"/>
-              </a:ext>
-            </a:extLst>
-          </a:blip>
-          <a:srcRect/>
-          <a:stretch>
-            <a:fillRect/>
-          </a:stretch>
-        </p:blipFill>
-        <p:spPr bwMode="auto">
-          <a:xfrm>
-            <a:off x="0" y="0"/>
-            <a:ext cx="12192000" cy="1076326"/>
-          </a:xfrm>
-          <a:prstGeom prst="rect">
-            <a:avLst/>
-          </a:prstGeom>
-          <a:noFill/>
-          <a:extLst>
-            <a:ext uri="{909E8E84-426E-40DD-AFC4-6F175D3DCCD1}">
-              <a14:hiddenFill xmlns:a14="http://schemas.microsoft.com/office/drawing/2010/main">
-                <a:solidFill>
-                  <a:srgbClr val="FFFFFF"/>
-                </a:solidFill>
-              </a14:hiddenFill>
-            </a:ext>
-          </a:extLst>
-        </p:spPr>
-      </p:pic>
     </p:spTree>
     <p:extLst>
       <p:ext uri="{BB962C8B-B14F-4D97-AF65-F5344CB8AC3E}">
-        <p14:creationId xmlns:p14="http://schemas.microsoft.com/office/powerpoint/2010/main" val="3591251980"/>
+        <p14:creationId xmlns:p14="http://schemas.microsoft.com/office/powerpoint/2010/main" val="1792943268"/>
       </p:ext>
     </p:extLst>
   </p:cSld>
@@ -6483,106 +6211,7 @@
                 <a:ea typeface="+mn-ea"/>
                 <a:cs typeface="+mn-cs"/>
               </a:rPr>
-              <a:t>Engineer to Engineer</a:t>
-            </a:r>
-          </a:p>
-        </p:txBody>
-      </p:sp>
-      <p:pic>
-        <p:nvPicPr>
-          <p:cNvPr id="5" name="Picture 4"/>
-          <p:cNvPicPr>
-            <a:picLocks noChangeAspect="1"/>
-          </p:cNvPicPr>
-          <p:nvPr userDrawn="1"/>
-        </p:nvPicPr>
-        <p:blipFill>
-          <a:blip r:embed="rId2"/>
-          <a:stretch>
-            <a:fillRect/>
-          </a:stretch>
-        </p:blipFill>
-        <p:spPr>
-          <a:xfrm>
-            <a:off x="0" y="0"/>
-            <a:ext cx="12192000" cy="2858788"/>
-          </a:xfrm>
-          <a:prstGeom prst="rect">
-            <a:avLst/>
-          </a:prstGeom>
-        </p:spPr>
-      </p:pic>
-      <p:sp>
-        <p:nvSpPr>
-          <p:cNvPr id="9" name="TextBox 8"/>
-          <p:cNvSpPr txBox="1"/>
-          <p:nvPr userDrawn="1"/>
-        </p:nvSpPr>
-        <p:spPr>
-          <a:xfrm>
-            <a:off x="778469" y="1024876"/>
-            <a:ext cx="3740504" cy="1321387"/>
-          </a:xfrm>
-          <a:prstGeom prst="rect">
-            <a:avLst/>
-          </a:prstGeom>
-          <a:noFill/>
-        </p:spPr>
-        <p:txBody>
-          <a:bodyPr wrap="square" lIns="182880" tIns="146304" rIns="182880" bIns="146304" rtlCol="0">
-            <a:spAutoFit/>
-          </a:bodyPr>
-          <a:lstStyle/>
-          <a:p>
-            <a:pPr algn="ctr">
-              <a:lnSpc>
-                <a:spcPts val="4000"/>
-              </a:lnSpc>
-            </a:pPr>
-            <a:r>
-              <a:rPr lang="en-US" sz="3600" dirty="0">
-                <a:solidFill>
-                  <a:srgbClr val="0070C0"/>
-                </a:solidFill>
-                <a:latin typeface="+mj-lt"/>
-              </a:rPr>
-              <a:t>Engineer</a:t>
-            </a:r>
-            <a:r>
-              <a:rPr lang="en-US" sz="3600" baseline="0" dirty="0">
-                <a:solidFill>
-                  <a:srgbClr val="0070C0"/>
-                </a:solidFill>
-                <a:latin typeface="+mj-lt"/>
-              </a:rPr>
-              <a:t> </a:t>
-            </a:r>
-            <a:r>
-              <a:rPr lang="en-US" sz="3600" dirty="0">
-                <a:solidFill>
-                  <a:srgbClr val="0070C0"/>
-                </a:solidFill>
-                <a:latin typeface="+mj-lt"/>
-              </a:rPr>
-              <a:t>to</a:t>
-            </a:r>
-            <a:r>
-              <a:rPr lang="en-US" sz="3600" baseline="0" dirty="0">
-                <a:solidFill>
-                  <a:srgbClr val="0070C0"/>
-                </a:solidFill>
-                <a:latin typeface="+mj-lt"/>
-              </a:rPr>
-              <a:t> </a:t>
-            </a:r>
-            <a:r>
-              <a:rPr lang="en-US" sz="3600" dirty="0">
-                <a:solidFill>
-                  <a:srgbClr val="0070C0"/>
-                </a:solidFill>
-                <a:latin typeface="+mj-lt"/>
-              </a:rPr>
-              <a:t>Engineer</a:t>
+              <a:t>Architect to Architect</a:t>
             </a:r>
           </a:p>
         </p:txBody>
@@ -6590,7 +6219,7 @@
     </p:spTree>
     <p:extLst>
       <p:ext uri="{BB962C8B-B14F-4D97-AF65-F5344CB8AC3E}">
-        <p14:creationId xmlns:p14="http://schemas.microsoft.com/office/powerpoint/2010/main" val="840484734"/>
+        <p14:creationId xmlns:p14="http://schemas.microsoft.com/office/powerpoint/2010/main" val="2673402294"/>
       </p:ext>
     </p:extLst>
   </p:cSld>
@@ -6623,7 +6252,7 @@
     </p:spTree>
     <p:extLst>
       <p:ext uri="{BB962C8B-B14F-4D97-AF65-F5344CB8AC3E}">
-        <p14:creationId xmlns:p14="http://schemas.microsoft.com/office/powerpoint/2010/main" val="3714598251"/>
+        <p14:creationId xmlns:p14="http://schemas.microsoft.com/office/powerpoint/2010/main" val="506298302"/>
       </p:ext>
     </p:extLst>
   </p:cSld>
@@ -6687,7 +6316,7 @@
     </p:spTree>
     <p:extLst>
       <p:ext uri="{BB962C8B-B14F-4D97-AF65-F5344CB8AC3E}">
-        <p14:creationId xmlns:p14="http://schemas.microsoft.com/office/powerpoint/2010/main" val="1224341339"/>
+        <p14:creationId xmlns:p14="http://schemas.microsoft.com/office/powerpoint/2010/main" val="21172758"/>
       </p:ext>
     </p:extLst>
   </p:cSld>
@@ -6792,7 +6421,7 @@
     </p:spTree>
     <p:extLst>
       <p:ext uri="{BB962C8B-B14F-4D97-AF65-F5344CB8AC3E}">
-        <p14:creationId xmlns:p14="http://schemas.microsoft.com/office/powerpoint/2010/main" val="1933699671"/>
+        <p14:creationId xmlns:p14="http://schemas.microsoft.com/office/powerpoint/2010/main" val="289826092"/>
       </p:ext>
     </p:extLst>
   </p:cSld>
@@ -6897,7 +6526,7 @@
     </p:spTree>
     <p:extLst>
       <p:ext uri="{BB962C8B-B14F-4D97-AF65-F5344CB8AC3E}">
-        <p14:creationId xmlns:p14="http://schemas.microsoft.com/office/powerpoint/2010/main" val="86301292"/>
+        <p14:creationId xmlns:p14="http://schemas.microsoft.com/office/powerpoint/2010/main" val="4072581272"/>
       </p:ext>
     </p:extLst>
   </p:cSld>
@@ -7050,7 +6679,7 @@
     </p:spTree>
     <p:extLst>
       <p:ext uri="{BB962C8B-B14F-4D97-AF65-F5344CB8AC3E}">
-        <p14:creationId xmlns:p14="http://schemas.microsoft.com/office/powerpoint/2010/main" val="609966245"/>
+        <p14:creationId xmlns:p14="http://schemas.microsoft.com/office/powerpoint/2010/main" val="3803908219"/>
       </p:ext>
     </p:extLst>
   </p:cSld>
@@ -7269,7 +6898,7 @@
     </p:spTree>
     <p:extLst>
       <p:ext uri="{BB962C8B-B14F-4D97-AF65-F5344CB8AC3E}">
-        <p14:creationId xmlns:p14="http://schemas.microsoft.com/office/powerpoint/2010/main" val="1957529365"/>
+        <p14:creationId xmlns:p14="http://schemas.microsoft.com/office/powerpoint/2010/main" val="4163450463"/>
       </p:ext>
     </p:extLst>
   </p:cSld>
@@ -7501,156 +7130,7 @@
                 <a:ea typeface="+mn-ea"/>
                 <a:cs typeface="+mn-cs"/>
               </a:rPr>
-              <a:t>Engineer to Engineer</a:t>
-            </a:r>
-          </a:p>
-        </p:txBody>
-      </p:sp>
-      <p:sp>
-        <p:nvSpPr>
-          <p:cNvPr id="10" name="TextBox 9"/>
-          <p:cNvSpPr txBox="1"/>
-          <p:nvPr userDrawn="1"/>
-        </p:nvSpPr>
-        <p:spPr>
-          <a:xfrm>
-            <a:off x="7569411" y="2655027"/>
-            <a:ext cx="4146007" cy="1888209"/>
-          </a:xfrm>
-          <a:prstGeom prst="rect">
-            <a:avLst/>
-          </a:prstGeom>
-          <a:noFill/>
-        </p:spPr>
-        <p:txBody>
-          <a:bodyPr wrap="none" lIns="182880" tIns="146304" rIns="182880" bIns="146304" rtlCol="0">
-            <a:spAutoFit/>
-          </a:bodyPr>
-          <a:lstStyle/>
-          <a:p>
-            <a:pPr>
-              <a:lnSpc>
-                <a:spcPct val="90000"/>
-              </a:lnSpc>
-              <a:spcAft>
-                <a:spcPts val="600"/>
-              </a:spcAft>
-            </a:pPr>
-            <a:r>
-              <a:rPr lang="en-US" sz="11500" dirty="0">
-                <a:gradFill>
-                  <a:gsLst>
-                    <a:gs pos="2917">
-                      <a:schemeClr val="tx1"/>
-                    </a:gs>
-                    <a:gs pos="30000">
-                      <a:schemeClr val="tx1"/>
-                    </a:gs>
-                  </a:gsLst>
-                  <a:lin ang="5400000" scaled="0"/>
-                </a:gradFill>
-                <a:latin typeface="+mj-lt"/>
-              </a:rPr>
-              <a:t>Demo</a:t>
-            </a:r>
-          </a:p>
-        </p:txBody>
-      </p:sp>
-      <p:pic>
-        <p:nvPicPr>
-          <p:cNvPr id="11" name="Picture 10"/>
-          <p:cNvPicPr>
-            <a:picLocks noChangeAspect="1"/>
-          </p:cNvPicPr>
-          <p:nvPr userDrawn="1"/>
-        </p:nvPicPr>
-        <p:blipFill>
-          <a:blip r:embed="rId2"/>
-          <a:stretch>
-            <a:fillRect/>
-          </a:stretch>
-        </p:blipFill>
-        <p:spPr>
-          <a:xfrm>
-            <a:off x="0" y="0"/>
-            <a:ext cx="12192000" cy="2858788"/>
-          </a:xfrm>
-          <a:prstGeom prst="rect">
-            <a:avLst/>
-          </a:prstGeom>
-        </p:spPr>
-      </p:pic>
-      <p:sp>
-        <p:nvSpPr>
-          <p:cNvPr id="12" name="TextBox 11"/>
-          <p:cNvSpPr txBox="1"/>
-          <p:nvPr userDrawn="1"/>
-        </p:nvSpPr>
-        <p:spPr>
-          <a:xfrm>
-            <a:off x="778469" y="1024876"/>
-            <a:ext cx="3740504" cy="1321387"/>
-          </a:xfrm>
-          <a:prstGeom prst="rect">
-            <a:avLst/>
-          </a:prstGeom>
-          <a:noFill/>
-        </p:spPr>
-        <p:txBody>
-          <a:bodyPr wrap="square" lIns="182880" tIns="146304" rIns="182880" bIns="146304" rtlCol="0">
-            <a:spAutoFit/>
-          </a:bodyPr>
-          <a:lstStyle/>
-          <a:p>
-            <a:pPr algn="ctr">
-              <a:lnSpc>
-                <a:spcPts val="4000"/>
-              </a:lnSpc>
-            </a:pPr>
-            <a:r>
-              <a:rPr lang="en-US" sz="3600" dirty="0">
-                <a:solidFill>
-                  <a:srgbClr val="0070C0"/>
-                </a:solidFill>
-                <a:latin typeface="+mj-lt"/>
-              </a:rPr>
-              <a:t>Engineer</a:t>
-            </a:r>
-            <a:r>
-              <a:rPr lang="en-US" sz="3600" baseline="0" dirty="0">
-                <a:solidFill>
-                  <a:srgbClr val="0070C0"/>
-                </a:solidFill>
-                <a:latin typeface="+mj-lt"/>
-              </a:rPr>
-              <a:t> </a:t>
-            </a:r>
-            <a:r>
-              <a:rPr lang="en-US" sz="3600" dirty="0">
-                <a:solidFill>
-                  <a:srgbClr val="0070C0"/>
-                </a:solidFill>
-                <a:latin typeface="+mj-lt"/>
-              </a:rPr>
-              <a:t>to</a:t>
-            </a:r>
-            <a:r>
-              <a:rPr lang="en-US" sz="3600" baseline="0" dirty="0">
-                <a:solidFill>
-                  <a:srgbClr val="0070C0"/>
-                </a:solidFill>
-                <a:latin typeface="+mj-lt"/>
-              </a:rPr>
-              <a:t> </a:t>
-            </a:r>
-            <a:r>
-              <a:rPr lang="en-US" sz="3600" dirty="0">
-                <a:solidFill>
-                  <a:srgbClr val="0070C0"/>
-                </a:solidFill>
-                <a:latin typeface="+mj-lt"/>
-              </a:rPr>
-              <a:t>Engineer</a:t>
+              <a:t>Architect to Architect</a:t>
             </a:r>
           </a:p>
         </p:txBody>
@@ -7658,7 +7138,7 @@
     </p:spTree>
     <p:extLst>
       <p:ext uri="{BB962C8B-B14F-4D97-AF65-F5344CB8AC3E}">
-        <p14:creationId xmlns:p14="http://schemas.microsoft.com/office/powerpoint/2010/main" val="3850146844"/>
+        <p14:creationId xmlns:p14="http://schemas.microsoft.com/office/powerpoint/2010/main" val="1153964760"/>
       </p:ext>
     </p:extLst>
   </p:cSld>
@@ -7824,23 +7304,23 @@
     </p:spTree>
     <p:extLst>
       <p:ext uri="{BB962C8B-B14F-4D97-AF65-F5344CB8AC3E}">
-        <p14:creationId xmlns:p14="http://schemas.microsoft.com/office/powerpoint/2010/main" val="3795524904"/>
+        <p14:creationId xmlns:p14="http://schemas.microsoft.com/office/powerpoint/2010/main" val="3880222421"/>
       </p:ext>
     </p:extLst>
   </p:cSld>
   <p:clrMap bg1="dk1" tx1="lt1" bg2="dk2" tx2="lt2" accent1="accent1" accent2="accent2" accent3="accent3" accent4="accent4" accent5="accent5" accent6="accent6" hlink="hlink" folHlink="folHlink"/>
   <p:sldLayoutIdLst>
-    <p:sldLayoutId id="2147483704" r:id="rId1"/>
-    <p:sldLayoutId id="2147483705" r:id="rId2"/>
-    <p:sldLayoutId id="2147483706" r:id="rId3"/>
-    <p:sldLayoutId id="2147483707" r:id="rId4"/>
-    <p:sldLayoutId id="2147483708" r:id="rId5"/>
-    <p:sldLayoutId id="2147483709" r:id="rId6"/>
-    <p:sldLayoutId id="2147483710" r:id="rId7"/>
-    <p:sldLayoutId id="2147483711" r:id="rId8"/>
-    <p:sldLayoutId id="2147483712" r:id="rId9"/>
-    <p:sldLayoutId id="2147483713" r:id="rId10"/>
-    <p:sldLayoutId id="2147483714" r:id="rId11"/>
+    <p:sldLayoutId id="2147483727" r:id="rId1"/>
+    <p:sldLayoutId id="2147483728" r:id="rId2"/>
+    <p:sldLayoutId id="2147483718" r:id="rId3"/>
+    <p:sldLayoutId id="2147483719" r:id="rId4"/>
+    <p:sldLayoutId id="2147483720" r:id="rId5"/>
+    <p:sldLayoutId id="2147483721" r:id="rId6"/>
+    <p:sldLayoutId id="2147483722" r:id="rId7"/>
+    <p:sldLayoutId id="2147483723" r:id="rId8"/>
+    <p:sldLayoutId id="2147483735" r:id="rId9"/>
+    <p:sldLayoutId id="2147483725" r:id="rId10"/>
+    <p:sldLayoutId id="2147483737" r:id="rId11"/>
   </p:sldLayoutIdLst>
   <p:transition>
     <p:fade/>
@@ -8347,15 +7827,16 @@
           <a:lstStyle/>
           <a:p>
             <a:r>
-              <a:rPr lang="en-US" dirty="0"/>
+              <a:rPr lang="en-US"/>
               <a:t>Monitoring and Diagnostics</a:t>
             </a:r>
+            <a:endParaRPr lang="en-US" dirty="0"/>
           </a:p>
         </p:txBody>
       </p:sp>
       <p:sp>
         <p:nvSpPr>
-          <p:cNvPr id="2" name="Text Placeholder 1"/>
+          <p:cNvPr id="8" name="Text Placeholder 7"/>
           <p:cNvSpPr>
             <a:spLocks noGrp="1"/>
           </p:cNvSpPr>
@@ -8374,7 +7855,7 @@
       </p:sp>
       <p:sp>
         <p:nvSpPr>
-          <p:cNvPr id="6" name="Text Placeholder 5"/>
+          <p:cNvPr id="9" name="Text Placeholder 8"/>
           <p:cNvSpPr>
             <a:spLocks noGrp="1"/>
           </p:cNvSpPr>
@@ -12871,8 +12352,8 @@
         </p:nvSpPr>
         <p:spPr>
           <a:xfrm>
-            <a:off x="282012" y="996640"/>
-            <a:ext cx="10140950" cy="5156200"/>
+            <a:off x="274638" y="996950"/>
+            <a:ext cx="9866312" cy="5154468"/>
           </a:xfrm>
         </p:spPr>
         <p:txBody>
@@ -15743,7 +15224,7 @@
       </p:grpSpPr>
       <p:sp>
         <p:nvSpPr>
-          <p:cNvPr id="3" name="Text Placeholder 2"/>
+          <p:cNvPr id="2" name="Text Placeholder 1"/>
           <p:cNvSpPr>
             <a:spLocks noGrp="1"/>
           </p:cNvSpPr>
@@ -16325,7 +15806,7 @@
 </file>
 
 <file path=ppt/theme/theme1.xml><?xml version="1.0" encoding="utf-8"?>
-<a:theme xmlns:a="http://schemas.openxmlformats.org/drawingml/2006/main" name="1_Windows Azure">
+<a:theme xmlns:a="http://schemas.openxmlformats.org/drawingml/2006/main" name="Windows Azure">
   <a:themeElements>
     <a:clrScheme name="Custom 1">
       <a:dk1>
@@ -16620,7 +16101,7 @@
   <a:extraClrSchemeLst/>
   <a:extLst>
     <a:ext uri="{05A4C25C-085E-4340-85A3-A5531E510DB2}">
-      <thm15:themeFamily xmlns:thm15="http://schemas.microsoft.com/office/thememl/2012/main" name="GSI Architect Workshop Template" id="{34FE2015-F8B1-44E3-A306-576A238D5216}" vid="{D10C668E-BD7E-4CF4-8C8E-45108D42EC34}"/>
+      <thm15:themeFamily xmlns:thm15="http://schemas.microsoft.com/office/thememl/2012/main" name="GSI Architect Workshop Template.potx" id="{A28382A3-38E4-4C61-8F63-2E5C29CAAD5C}" vid="{8F476405-2F79-4B8C-90DC-8EA1F5CF2DD5}"/>
     </a:ext>
   </a:extLst>
 </a:theme>
@@ -17149,12 +16630,6 @@
 </file>
 
 <file path=customXml/item1.xml><?xml version="1.0" encoding="utf-8"?>
-<p:properties xmlns:p="http://schemas.microsoft.com/office/2006/metadata/properties" xmlns:xsi="http://www.w3.org/2001/XMLSchema-instance" xmlns:pc="http://schemas.microsoft.com/office/infopath/2007/PartnerControls">
-  <documentManagement/>
-</p:properties>
-</file>
-
-<file path=customXml/item2.xml><?xml version="1.0" encoding="utf-8"?>
 <ct:contentTypeSchema xmlns:ct="http://schemas.microsoft.com/office/2006/metadata/contentType" xmlns:ma="http://schemas.microsoft.com/office/2006/metadata/properties/metaAttributes" ct:_="" ma:_="" ma:contentTypeName="Document" ma:contentTypeID="0x010100C08F381963C77D44A6A91469D5845EE5" ma:contentTypeVersion="2" ma:contentTypeDescription="Create a new document." ma:contentTypeScope="" ma:versionID="66290b1f7725e443aa19cdb7b89371b7">
   <xsd:schema xmlns:xsd="http://www.w3.org/2001/XMLSchema" xmlns:xs="http://www.w3.org/2001/XMLSchema" xmlns:p="http://schemas.microsoft.com/office/2006/metadata/properties" xmlns:ns2="c58f79d2-8dd2-43f0-9a03-e1b9f874d667" targetNamespace="http://schemas.microsoft.com/office/2006/metadata/properties" ma:root="true" ma:fieldsID="27a8e9c299bda407fa38b12f0db042eb" ns2:_="">
     <xsd:import namespace="c58f79d2-8dd2-43f0-9a03-e1b9f874d667"/>
@@ -17302,6 +16777,12 @@
 </ct:contentTypeSchema>
 </file>
 
+<file path=customXml/item2.xml><?xml version="1.0" encoding="utf-8"?>
+<p:properties xmlns:p="http://schemas.microsoft.com/office/2006/metadata/properties" xmlns:xsi="http://www.w3.org/2001/XMLSchema-instance" xmlns:pc="http://schemas.microsoft.com/office/infopath/2007/PartnerControls">
+  <documentManagement/>
+</p:properties>
+</file>
+
 <file path=customXml/item3.xml><?xml version="1.0" encoding="utf-8"?>
 <?mso-contentType ?>
 <FormTemplates xmlns="http://schemas.microsoft.com/sharepoint/v3/contenttype/forms">
@@ -17312,22 +16793,6 @@
 </file>
 
 <file path=customXml/itemProps1.xml><?xml version="1.0" encoding="utf-8"?>
-<ds:datastoreItem xmlns:ds="http://schemas.openxmlformats.org/officeDocument/2006/customXml" ds:itemID="{89254BEE-C2AB-4E68-AA3E-3E2702671367}">
-  <ds:schemaRefs>
-    <ds:schemaRef ds:uri="http://purl.org/dc/elements/1.1/"/>
-    <ds:schemaRef ds:uri="http://schemas.microsoft.com/office/2006/metadata/properties"/>
-    <ds:schemaRef ds:uri="http://schemas.microsoft.com/office/2006/documentManagement/types"/>
-    <ds:schemaRef ds:uri="http://purl.org/dc/terms/"/>
-    <ds:schemaRef ds:uri="http://schemas.openxmlformats.org/package/2006/metadata/core-properties"/>
-    <ds:schemaRef ds:uri="http://purl.org/dc/dcmitype/"/>
-    <ds:schemaRef ds:uri="c58f79d2-8dd2-43f0-9a03-e1b9f874d667"/>
-    <ds:schemaRef ds:uri="http://schemas.microsoft.com/office/infopath/2007/PartnerControls"/>
-    <ds:schemaRef ds:uri="http://www.w3.org/XML/1998/namespace"/>
-  </ds:schemaRefs>
-</ds:datastoreItem>
-</file>
-
-<file path=customXml/itemProps2.xml><?xml version="1.0" encoding="utf-8"?>
 <ds:datastoreItem xmlns:ds="http://schemas.openxmlformats.org/officeDocument/2006/customXml" ds:itemID="{AE30008B-22D1-4C3E-A0BE-5BCAFBE11F82}">
   <ds:schemaRefs>
     <ds:schemaRef ds:uri="http://schemas.microsoft.com/office/2006/metadata/contentType"/>
@@ -17345,6 +16810,22 @@
 </ds:datastoreItem>
 </file>
 
+<file path=customXml/itemProps2.xml><?xml version="1.0" encoding="utf-8"?>
+<ds:datastoreItem xmlns:ds="http://schemas.openxmlformats.org/officeDocument/2006/customXml" ds:itemID="{89254BEE-C2AB-4E68-AA3E-3E2702671367}">
+  <ds:schemaRefs>
+    <ds:schemaRef ds:uri="http://purl.org/dc/elements/1.1/"/>
+    <ds:schemaRef ds:uri="http://schemas.microsoft.com/office/2006/metadata/properties"/>
+    <ds:schemaRef ds:uri="http://schemas.microsoft.com/office/2006/documentManagement/types"/>
+    <ds:schemaRef ds:uri="http://purl.org/dc/terms/"/>
+    <ds:schemaRef ds:uri="http://schemas.openxmlformats.org/package/2006/metadata/core-properties"/>
+    <ds:schemaRef ds:uri="http://purl.org/dc/dcmitype/"/>
+    <ds:schemaRef ds:uri="c58f79d2-8dd2-43f0-9a03-e1b9f874d667"/>
+    <ds:schemaRef ds:uri="http://schemas.microsoft.com/office/infopath/2007/PartnerControls"/>
+    <ds:schemaRef ds:uri="http://www.w3.org/XML/1998/namespace"/>
+  </ds:schemaRefs>
+</ds:datastoreItem>
+</file>
+
 <file path=customXml/itemProps3.xml><?xml version="1.0" encoding="utf-8"?>
 <ds:datastoreItem xmlns:ds="http://schemas.openxmlformats.org/officeDocument/2006/customXml" ds:itemID="{D98B8685-CAA3-4A1A-8397-DF9971695697}">
   <ds:schemaRefs>
